--- a/practice.pptx
+++ b/practice.pptx
@@ -3073,6 +3073,10 @@
           <a:bodyPr/>
           <a:lstStyle/>
           <a:p>
+            <a:r>
+              <a:rPr lang="ko-KR" altLang="en-US" smtClean="0"/>
+              <a:t>ㅋㄷㅋㄷ</a:t>
+            </a:r>
             <a:endParaRPr lang="ko-KR" altLang="en-US"/>
           </a:p>
         </p:txBody>
